--- a/angular2/slides/08-testing.pptx
+++ b/angular2/slides/08-testing.pptx
@@ -5,10 +5,10 @@
     <p:sldMasterId id="2147483772" r:id="rId1"/>
   </p:sldMasterIdLst>
   <p:notesMasterIdLst>
-    <p:notesMasterId r:id="rId13"/>
+    <p:notesMasterId r:id="rId18"/>
   </p:notesMasterIdLst>
   <p:handoutMasterIdLst>
-    <p:handoutMasterId r:id="rId14"/>
+    <p:handoutMasterId r:id="rId19"/>
   </p:handoutMasterIdLst>
   <p:sldIdLst>
     <p:sldId id="327" r:id="rId2"/>
@@ -17,11 +17,16 @@
     <p:sldId id="330" r:id="rId5"/>
     <p:sldId id="331" r:id="rId6"/>
     <p:sldId id="332" r:id="rId7"/>
-    <p:sldId id="337" r:id="rId8"/>
-    <p:sldId id="333" r:id="rId9"/>
-    <p:sldId id="334" r:id="rId10"/>
-    <p:sldId id="335" r:id="rId11"/>
-    <p:sldId id="336" r:id="rId12"/>
+    <p:sldId id="333" r:id="rId8"/>
+    <p:sldId id="334" r:id="rId9"/>
+    <p:sldId id="335" r:id="rId10"/>
+    <p:sldId id="336" r:id="rId11"/>
+    <p:sldId id="337" r:id="rId12"/>
+    <p:sldId id="338" r:id="rId13"/>
+    <p:sldId id="339" r:id="rId14"/>
+    <p:sldId id="340" r:id="rId15"/>
+    <p:sldId id="341" r:id="rId16"/>
+    <p:sldId id="342" r:id="rId17"/>
   </p:sldIdLst>
   <p:sldSz cx="9144000" cy="6858000" type="screen4x3"/>
   <p:notesSz cx="7302500" cy="9588500"/>
@@ -274,7 +279,7 @@
               <a:pPr>
                 <a:defRPr/>
               </a:pPr>
-              <a:t>12/28/2015</a:t>
+              <a:t>1/1/2016</a:t>
             </a:fld>
             <a:endParaRPr lang="en-US"/>
           </a:p>
@@ -2492,11 +2497,11 @@
           <a:p>
             <a:r>
               <a:rPr lang="en-US" dirty="0" smtClean="0"/>
-              <a:t>Using </a:t>
+              <a:t>A First Angular Pipe Test With </a:t>
             </a:r>
             <a:r>
               <a:rPr lang="en-US" dirty="0" err="1" smtClean="0"/>
-              <a:t>WebPack</a:t>
+              <a:t>TypeScript</a:t>
             </a:r>
             <a:endParaRPr lang="en-US" dirty="0"/>
           </a:p>
@@ -2521,10 +2526,34 @@
           </a:p>
         </p:txBody>
       </p:sp>
+      <p:pic>
+        <p:nvPicPr>
+          <p:cNvPr id="4" name="Picture 3"/>
+          <p:cNvPicPr>
+            <a:picLocks noChangeAspect="1"/>
+          </p:cNvPicPr>
+          <p:nvPr/>
+        </p:nvPicPr>
+        <p:blipFill>
+          <a:blip r:embed="rId2"/>
+          <a:stretch>
+            <a:fillRect/>
+          </a:stretch>
+        </p:blipFill>
+        <p:spPr>
+          <a:xfrm>
+            <a:off x="1571625" y="3124200"/>
+            <a:ext cx="6000750" cy="3048000"/>
+          </a:xfrm>
+          <a:prstGeom prst="rect">
+            <a:avLst/>
+          </a:prstGeom>
+        </p:spPr>
+      </p:pic>
     </p:spTree>
     <p:extLst>
       <p:ext uri="{BB962C8B-B14F-4D97-AF65-F5344CB8AC3E}">
-        <p14:creationId xmlns:p14="http://schemas.microsoft.com/office/powerpoint/2010/main" val="2459389908"/>
+        <p14:creationId xmlns:p14="http://schemas.microsoft.com/office/powerpoint/2010/main" val="925937239"/>
       </p:ext>
     </p:extLst>
   </p:cSld>
@@ -2571,7 +2600,7 @@
           <a:p>
             <a:r>
               <a:rPr lang="en-US" dirty="0" smtClean="0"/>
-              <a:t>Summary</a:t>
+              <a:t>Testing A Component</a:t>
             </a:r>
             <a:endParaRPr lang="en-US" dirty="0"/>
           </a:p>
@@ -2596,10 +2625,796 @@
           </a:p>
         </p:txBody>
       </p:sp>
+      <p:pic>
+        <p:nvPicPr>
+          <p:cNvPr id="4" name="Picture 3"/>
+          <p:cNvPicPr>
+            <a:picLocks noChangeAspect="1"/>
+          </p:cNvPicPr>
+          <p:nvPr/>
+        </p:nvPicPr>
+        <p:blipFill>
+          <a:blip r:embed="rId2"/>
+          <a:stretch>
+            <a:fillRect/>
+          </a:stretch>
+        </p:blipFill>
+        <p:spPr>
+          <a:xfrm>
+            <a:off x="304800" y="1441938"/>
+            <a:ext cx="6362700" cy="3533775"/>
+          </a:xfrm>
+          <a:prstGeom prst="rect">
+            <a:avLst/>
+          </a:prstGeom>
+        </p:spPr>
+      </p:pic>
+      <p:pic>
+        <p:nvPicPr>
+          <p:cNvPr id="5" name="Picture 4"/>
+          <p:cNvPicPr>
+            <a:picLocks noChangeAspect="1"/>
+          </p:cNvPicPr>
+          <p:nvPr/>
+        </p:nvPicPr>
+        <p:blipFill>
+          <a:blip r:embed="rId3"/>
+          <a:stretch>
+            <a:fillRect/>
+          </a:stretch>
+        </p:blipFill>
+        <p:spPr>
+          <a:xfrm>
+            <a:off x="5457825" y="4006363"/>
+            <a:ext cx="3228975" cy="2407624"/>
+          </a:xfrm>
+          <a:prstGeom prst="rect">
+            <a:avLst/>
+          </a:prstGeom>
+        </p:spPr>
+      </p:pic>
     </p:spTree>
     <p:extLst>
       <p:ext uri="{BB962C8B-B14F-4D97-AF65-F5344CB8AC3E}">
-        <p14:creationId xmlns:p14="http://schemas.microsoft.com/office/powerpoint/2010/main" val="2144626586"/>
+        <p14:creationId xmlns:p14="http://schemas.microsoft.com/office/powerpoint/2010/main" val="2046847507"/>
+      </p:ext>
+    </p:extLst>
+  </p:cSld>
+  <p:clrMapOvr>
+    <a:masterClrMapping/>
+  </p:clrMapOvr>
+  <p:transition>
+    <p:fade/>
+  </p:transition>
+  <p:timing>
+    <p:tnLst>
+      <p:par>
+        <p:cTn id="1" dur="indefinite" restart="never" nodeType="tmRoot">
+          <p:childTnLst>
+            <p:seq concurrent="1" nextAc="seek">
+              <p:cTn id="2" dur="indefinite" nodeType="mainSeq">
+                <p:childTnLst>
+                  <p:par>
+                    <p:cTn id="3" fill="hold">
+                      <p:stCondLst>
+                        <p:cond delay="indefinite"/>
+                      </p:stCondLst>
+                      <p:childTnLst>
+                        <p:par>
+                          <p:cTn id="4" fill="hold">
+                            <p:stCondLst>
+                              <p:cond delay="0"/>
+                            </p:stCondLst>
+                            <p:childTnLst>
+                              <p:par>
+                                <p:cTn id="5" presetID="10" presetClass="entr" presetSubtype="0" fill="hold" nodeType="clickEffect">
+                                  <p:stCondLst>
+                                    <p:cond delay="0"/>
+                                  </p:stCondLst>
+                                  <p:childTnLst>
+                                    <p:set>
+                                      <p:cBhvr>
+                                        <p:cTn id="6" dur="1" fill="hold">
+                                          <p:stCondLst>
+                                            <p:cond delay="0"/>
+                                          </p:stCondLst>
+                                        </p:cTn>
+                                        <p:tgtEl>
+                                          <p:spTgt spid="5"/>
+                                        </p:tgtEl>
+                                        <p:attrNameLst>
+                                          <p:attrName>style.visibility</p:attrName>
+                                        </p:attrNameLst>
+                                      </p:cBhvr>
+                                      <p:to>
+                                        <p:strVal val="visible"/>
+                                      </p:to>
+                                    </p:set>
+                                    <p:animEffect transition="in" filter="fade">
+                                      <p:cBhvr>
+                                        <p:cTn id="7" dur="500"/>
+                                        <p:tgtEl>
+                                          <p:spTgt spid="5"/>
+                                        </p:tgtEl>
+                                      </p:cBhvr>
+                                    </p:animEffect>
+                                  </p:childTnLst>
+                                </p:cTn>
+                              </p:par>
+                            </p:childTnLst>
+                          </p:cTn>
+                        </p:par>
+                      </p:childTnLst>
+                    </p:cTn>
+                  </p:par>
+                </p:childTnLst>
+              </p:cTn>
+              <p:prevCondLst>
+                <p:cond evt="onPrev" delay="0">
+                  <p:tgtEl>
+                    <p:sldTgt/>
+                  </p:tgtEl>
+                </p:cond>
+              </p:prevCondLst>
+              <p:nextCondLst>
+                <p:cond evt="onNext" delay="0">
+                  <p:tgtEl>
+                    <p:sldTgt/>
+                  </p:tgtEl>
+                </p:cond>
+              </p:nextCondLst>
+            </p:seq>
+          </p:childTnLst>
+        </p:cTn>
+      </p:par>
+    </p:tnLst>
+  </p:timing>
+</p:sld>
+</file>
+
+<file path=ppt/slides/slide12.xml><?xml version="1.0" encoding="utf-8"?>
+<p:sld xmlns:a="http://schemas.openxmlformats.org/drawingml/2006/main" xmlns:r="http://schemas.openxmlformats.org/officeDocument/2006/relationships" xmlns:p="http://schemas.openxmlformats.org/presentationml/2006/main">
+  <p:cSld>
+    <p:spTree>
+      <p:nvGrpSpPr>
+        <p:cNvPr id="1" name=""/>
+        <p:cNvGrpSpPr/>
+        <p:nvPr/>
+      </p:nvGrpSpPr>
+      <p:grpSpPr>
+        <a:xfrm>
+          <a:off x="0" y="0"/>
+          <a:ext cx="0" cy="0"/>
+          <a:chOff x="0" y="0"/>
+          <a:chExt cx="0" cy="0"/>
+        </a:xfrm>
+      </p:grpSpPr>
+      <p:sp>
+        <p:nvSpPr>
+          <p:cNvPr id="2" name="Title 1"/>
+          <p:cNvSpPr>
+            <a:spLocks noGrp="1"/>
+          </p:cNvSpPr>
+          <p:nvPr>
+            <p:ph type="title"/>
+          </p:nvPr>
+        </p:nvSpPr>
+        <p:spPr/>
+        <p:txBody>
+          <a:bodyPr/>
+          <a:lstStyle/>
+          <a:p>
+            <a:r>
+              <a:rPr lang="en-US" dirty="0" smtClean="0"/>
+              <a:t>Using inject</a:t>
+            </a:r>
+            <a:endParaRPr lang="en-US" dirty="0"/>
+          </a:p>
+        </p:txBody>
+      </p:sp>
+      <p:sp>
+        <p:nvSpPr>
+          <p:cNvPr id="3" name="Text Placeholder 2"/>
+          <p:cNvSpPr>
+            <a:spLocks noGrp="1"/>
+          </p:cNvSpPr>
+          <p:nvPr>
+            <p:ph type="body" idx="1"/>
+          </p:nvPr>
+        </p:nvSpPr>
+        <p:spPr/>
+        <p:txBody>
+          <a:bodyPr/>
+          <a:lstStyle/>
+          <a:p>
+            <a:r>
+              <a:rPr lang="en-US" dirty="0" smtClean="0"/>
+              <a:t>An Angular aware injector</a:t>
+            </a:r>
+            <a:endParaRPr lang="en-US" dirty="0"/>
+          </a:p>
+        </p:txBody>
+      </p:sp>
+      <p:pic>
+        <p:nvPicPr>
+          <p:cNvPr id="4" name="Picture 3"/>
+          <p:cNvPicPr>
+            <a:picLocks noChangeAspect="1"/>
+          </p:cNvPicPr>
+          <p:nvPr/>
+        </p:nvPicPr>
+        <p:blipFill>
+          <a:blip r:embed="rId2"/>
+          <a:stretch>
+            <a:fillRect/>
+          </a:stretch>
+        </p:blipFill>
+        <p:spPr>
+          <a:xfrm>
+            <a:off x="1600200" y="2264019"/>
+            <a:ext cx="5876925" cy="3714750"/>
+          </a:xfrm>
+          <a:prstGeom prst="rect">
+            <a:avLst/>
+          </a:prstGeom>
+        </p:spPr>
+      </p:pic>
+    </p:spTree>
+    <p:extLst>
+      <p:ext uri="{BB962C8B-B14F-4D97-AF65-F5344CB8AC3E}">
+        <p14:creationId xmlns:p14="http://schemas.microsoft.com/office/powerpoint/2010/main" val="2978430779"/>
+      </p:ext>
+    </p:extLst>
+  </p:cSld>
+  <p:clrMapOvr>
+    <a:masterClrMapping/>
+  </p:clrMapOvr>
+  <p:transition>
+    <p:fade/>
+  </p:transition>
+</p:sld>
+</file>
+
+<file path=ppt/slides/slide13.xml><?xml version="1.0" encoding="utf-8"?>
+<p:sld xmlns:a="http://schemas.openxmlformats.org/drawingml/2006/main" xmlns:r="http://schemas.openxmlformats.org/officeDocument/2006/relationships" xmlns:p="http://schemas.openxmlformats.org/presentationml/2006/main">
+  <p:cSld>
+    <p:spTree>
+      <p:nvGrpSpPr>
+        <p:cNvPr id="1" name=""/>
+        <p:cNvGrpSpPr/>
+        <p:nvPr/>
+      </p:nvGrpSpPr>
+      <p:grpSpPr>
+        <a:xfrm>
+          <a:off x="0" y="0"/>
+          <a:ext cx="0" cy="0"/>
+          <a:chOff x="0" y="0"/>
+          <a:chExt cx="0" cy="0"/>
+        </a:xfrm>
+      </p:grpSpPr>
+      <p:sp>
+        <p:nvSpPr>
+          <p:cNvPr id="2" name="Title 1"/>
+          <p:cNvSpPr>
+            <a:spLocks noGrp="1"/>
+          </p:cNvSpPr>
+          <p:nvPr>
+            <p:ph type="title"/>
+          </p:nvPr>
+        </p:nvSpPr>
+        <p:spPr/>
+        <p:txBody>
+          <a:bodyPr/>
+          <a:lstStyle/>
+          <a:p>
+            <a:r>
+              <a:rPr lang="en-US" dirty="0" smtClean="0"/>
+              <a:t>Using Test Component Builder</a:t>
+            </a:r>
+            <a:endParaRPr lang="en-US" dirty="0"/>
+          </a:p>
+        </p:txBody>
+      </p:sp>
+      <p:sp>
+        <p:nvSpPr>
+          <p:cNvPr id="3" name="Text Placeholder 2"/>
+          <p:cNvSpPr>
+            <a:spLocks noGrp="1"/>
+          </p:cNvSpPr>
+          <p:nvPr>
+            <p:ph type="body" idx="1"/>
+          </p:nvPr>
+        </p:nvSpPr>
+        <p:spPr/>
+        <p:txBody>
+          <a:bodyPr/>
+          <a:lstStyle/>
+          <a:p>
+            <a:endParaRPr lang="en-US"/>
+          </a:p>
+        </p:txBody>
+      </p:sp>
+      <p:pic>
+        <p:nvPicPr>
+          <p:cNvPr id="4" name="Picture 3"/>
+          <p:cNvPicPr>
+            <a:picLocks noChangeAspect="1"/>
+          </p:cNvPicPr>
+          <p:nvPr/>
+        </p:nvPicPr>
+        <p:blipFill>
+          <a:blip r:embed="rId2"/>
+          <a:stretch>
+            <a:fillRect/>
+          </a:stretch>
+        </p:blipFill>
+        <p:spPr>
+          <a:xfrm>
+            <a:off x="642937" y="1447800"/>
+            <a:ext cx="7858125" cy="4800600"/>
+          </a:xfrm>
+          <a:prstGeom prst="rect">
+            <a:avLst/>
+          </a:prstGeom>
+        </p:spPr>
+      </p:pic>
+    </p:spTree>
+    <p:extLst>
+      <p:ext uri="{BB962C8B-B14F-4D97-AF65-F5344CB8AC3E}">
+        <p14:creationId xmlns:p14="http://schemas.microsoft.com/office/powerpoint/2010/main" val="1449652610"/>
+      </p:ext>
+    </p:extLst>
+  </p:cSld>
+  <p:clrMapOvr>
+    <a:masterClrMapping/>
+  </p:clrMapOvr>
+  <p:transition>
+    <p:fade/>
+  </p:transition>
+</p:sld>
+</file>
+
+<file path=ppt/slides/slide14.xml><?xml version="1.0" encoding="utf-8"?>
+<p:sld xmlns:a="http://schemas.openxmlformats.org/drawingml/2006/main" xmlns:r="http://schemas.openxmlformats.org/officeDocument/2006/relationships" xmlns:p="http://schemas.openxmlformats.org/presentationml/2006/main">
+  <p:cSld>
+    <p:spTree>
+      <p:nvGrpSpPr>
+        <p:cNvPr id="1" name=""/>
+        <p:cNvGrpSpPr/>
+        <p:nvPr/>
+      </p:nvGrpSpPr>
+      <p:grpSpPr>
+        <a:xfrm>
+          <a:off x="0" y="0"/>
+          <a:ext cx="0" cy="0"/>
+          <a:chOff x="0" y="0"/>
+          <a:chExt cx="0" cy="0"/>
+        </a:xfrm>
+      </p:grpSpPr>
+      <p:sp>
+        <p:nvSpPr>
+          <p:cNvPr id="2" name="Title 1"/>
+          <p:cNvSpPr>
+            <a:spLocks noGrp="1"/>
+          </p:cNvSpPr>
+          <p:nvPr>
+            <p:ph type="title"/>
+          </p:nvPr>
+        </p:nvSpPr>
+        <p:spPr/>
+        <p:txBody>
+          <a:bodyPr/>
+          <a:lstStyle/>
+          <a:p>
+            <a:r>
+              <a:rPr lang="en-US" dirty="0" smtClean="0"/>
+              <a:t>Using HTTP </a:t>
+            </a:r>
+            <a:endParaRPr lang="en-US" dirty="0"/>
+          </a:p>
+        </p:txBody>
+      </p:sp>
+      <p:sp>
+        <p:nvSpPr>
+          <p:cNvPr id="3" name="Text Placeholder 2"/>
+          <p:cNvSpPr>
+            <a:spLocks noGrp="1"/>
+          </p:cNvSpPr>
+          <p:nvPr>
+            <p:ph type="body" idx="1"/>
+          </p:nvPr>
+        </p:nvSpPr>
+        <p:spPr/>
+        <p:txBody>
+          <a:bodyPr/>
+          <a:lstStyle/>
+          <a:p>
+            <a:r>
+              <a:rPr lang="en-US" dirty="0" smtClean="0"/>
+              <a:t>Still a work in progress …</a:t>
+            </a:r>
+            <a:endParaRPr lang="en-US" dirty="0"/>
+          </a:p>
+        </p:txBody>
+      </p:sp>
+      <p:pic>
+        <p:nvPicPr>
+          <p:cNvPr id="4" name="Picture 3"/>
+          <p:cNvPicPr>
+            <a:picLocks noChangeAspect="1"/>
+          </p:cNvPicPr>
+          <p:nvPr/>
+        </p:nvPicPr>
+        <p:blipFill>
+          <a:blip r:embed="rId2"/>
+          <a:stretch>
+            <a:fillRect/>
+          </a:stretch>
+        </p:blipFill>
+        <p:spPr>
+          <a:xfrm>
+            <a:off x="1969294" y="2209800"/>
+            <a:ext cx="5205412" cy="4247666"/>
+          </a:xfrm>
+          <a:prstGeom prst="rect">
+            <a:avLst/>
+          </a:prstGeom>
+        </p:spPr>
+      </p:pic>
+    </p:spTree>
+    <p:extLst>
+      <p:ext uri="{BB962C8B-B14F-4D97-AF65-F5344CB8AC3E}">
+        <p14:creationId xmlns:p14="http://schemas.microsoft.com/office/powerpoint/2010/main" val="4151263796"/>
+      </p:ext>
+    </p:extLst>
+  </p:cSld>
+  <p:clrMapOvr>
+    <a:masterClrMapping/>
+  </p:clrMapOvr>
+  <p:transition>
+    <p:fade/>
+  </p:transition>
+</p:sld>
+</file>
+
+<file path=ppt/slides/slide15.xml><?xml version="1.0" encoding="utf-8"?>
+<p:sld xmlns:a="http://schemas.openxmlformats.org/drawingml/2006/main" xmlns:r="http://schemas.openxmlformats.org/officeDocument/2006/relationships" xmlns:p="http://schemas.openxmlformats.org/presentationml/2006/main">
+  <p:cSld>
+    <p:spTree>
+      <p:nvGrpSpPr>
+        <p:cNvPr id="1" name=""/>
+        <p:cNvGrpSpPr/>
+        <p:nvPr/>
+      </p:nvGrpSpPr>
+      <p:grpSpPr>
+        <a:xfrm>
+          <a:off x="0" y="0"/>
+          <a:ext cx="0" cy="0"/>
+          <a:chOff x="0" y="0"/>
+          <a:chExt cx="0" cy="0"/>
+        </a:xfrm>
+      </p:grpSpPr>
+      <p:sp>
+        <p:nvSpPr>
+          <p:cNvPr id="2" name="Title 1"/>
+          <p:cNvSpPr>
+            <a:spLocks noGrp="1"/>
+          </p:cNvSpPr>
+          <p:nvPr>
+            <p:ph type="title"/>
+          </p:nvPr>
+        </p:nvSpPr>
+        <p:spPr/>
+        <p:txBody>
+          <a:bodyPr/>
+          <a:lstStyle/>
+          <a:p>
+            <a:r>
+              <a:rPr lang="en-US" dirty="0" smtClean="0"/>
+              <a:t>Karma</a:t>
+            </a:r>
+            <a:endParaRPr lang="en-US" dirty="0"/>
+          </a:p>
+        </p:txBody>
+      </p:sp>
+      <p:sp>
+        <p:nvSpPr>
+          <p:cNvPr id="3" name="Text Placeholder 2"/>
+          <p:cNvSpPr>
+            <a:spLocks noGrp="1"/>
+          </p:cNvSpPr>
+          <p:nvPr>
+            <p:ph type="body" idx="1"/>
+          </p:nvPr>
+        </p:nvSpPr>
+        <p:spPr/>
+        <p:txBody>
+          <a:bodyPr/>
+          <a:lstStyle/>
+          <a:p>
+            <a:r>
+              <a:rPr lang="en-US" dirty="0" smtClean="0"/>
+              <a:t>Automate the test runs!</a:t>
+            </a:r>
+            <a:endParaRPr lang="en-US" dirty="0"/>
+          </a:p>
+        </p:txBody>
+      </p:sp>
+      <p:pic>
+        <p:nvPicPr>
+          <p:cNvPr id="4" name="Picture 3"/>
+          <p:cNvPicPr>
+            <a:picLocks noChangeAspect="1"/>
+          </p:cNvPicPr>
+          <p:nvPr/>
+        </p:nvPicPr>
+        <p:blipFill>
+          <a:blip r:embed="rId2"/>
+          <a:stretch>
+            <a:fillRect/>
+          </a:stretch>
+        </p:blipFill>
+        <p:spPr>
+          <a:xfrm>
+            <a:off x="451338" y="2124075"/>
+            <a:ext cx="8229600" cy="1571625"/>
+          </a:xfrm>
+          <a:prstGeom prst="rect">
+            <a:avLst/>
+          </a:prstGeom>
+        </p:spPr>
+      </p:pic>
+      <p:pic>
+        <p:nvPicPr>
+          <p:cNvPr id="5" name="Picture 4"/>
+          <p:cNvPicPr>
+            <a:picLocks noChangeAspect="1"/>
+          </p:cNvPicPr>
+          <p:nvPr/>
+        </p:nvPicPr>
+        <p:blipFill>
+          <a:blip r:embed="rId3"/>
+          <a:stretch>
+            <a:fillRect/>
+          </a:stretch>
+        </p:blipFill>
+        <p:spPr>
+          <a:xfrm>
+            <a:off x="4234962" y="2199013"/>
+            <a:ext cx="4457700" cy="4125587"/>
+          </a:xfrm>
+          <a:prstGeom prst="rect">
+            <a:avLst/>
+          </a:prstGeom>
+        </p:spPr>
+      </p:pic>
+    </p:spTree>
+    <p:extLst>
+      <p:ext uri="{BB962C8B-B14F-4D97-AF65-F5344CB8AC3E}">
+        <p14:creationId xmlns:p14="http://schemas.microsoft.com/office/powerpoint/2010/main" val="777472355"/>
+      </p:ext>
+    </p:extLst>
+  </p:cSld>
+  <p:clrMapOvr>
+    <a:masterClrMapping/>
+  </p:clrMapOvr>
+  <p:transition>
+    <p:fade/>
+  </p:transition>
+  <p:timing>
+    <p:tnLst>
+      <p:par>
+        <p:cTn id="1" dur="indefinite" restart="never" nodeType="tmRoot">
+          <p:childTnLst>
+            <p:seq concurrent="1" nextAc="seek">
+              <p:cTn id="2" dur="indefinite" nodeType="mainSeq">
+                <p:childTnLst>
+                  <p:par>
+                    <p:cTn id="3" fill="hold">
+                      <p:stCondLst>
+                        <p:cond delay="indefinite"/>
+                      </p:stCondLst>
+                      <p:childTnLst>
+                        <p:par>
+                          <p:cTn id="4" fill="hold">
+                            <p:stCondLst>
+                              <p:cond delay="0"/>
+                            </p:stCondLst>
+                            <p:childTnLst>
+                              <p:par>
+                                <p:cTn id="5" presetID="10" presetClass="entr" presetSubtype="0" fill="hold" nodeType="clickEffect">
+                                  <p:stCondLst>
+                                    <p:cond delay="0"/>
+                                  </p:stCondLst>
+                                  <p:childTnLst>
+                                    <p:set>
+                                      <p:cBhvr>
+                                        <p:cTn id="6" dur="1" fill="hold">
+                                          <p:stCondLst>
+                                            <p:cond delay="0"/>
+                                          </p:stCondLst>
+                                        </p:cTn>
+                                        <p:tgtEl>
+                                          <p:spTgt spid="5"/>
+                                        </p:tgtEl>
+                                        <p:attrNameLst>
+                                          <p:attrName>style.visibility</p:attrName>
+                                        </p:attrNameLst>
+                                      </p:cBhvr>
+                                      <p:to>
+                                        <p:strVal val="visible"/>
+                                      </p:to>
+                                    </p:set>
+                                    <p:animEffect transition="in" filter="fade">
+                                      <p:cBhvr>
+                                        <p:cTn id="7" dur="500"/>
+                                        <p:tgtEl>
+                                          <p:spTgt spid="5"/>
+                                        </p:tgtEl>
+                                      </p:cBhvr>
+                                    </p:animEffect>
+                                  </p:childTnLst>
+                                </p:cTn>
+                              </p:par>
+                            </p:childTnLst>
+                          </p:cTn>
+                        </p:par>
+                      </p:childTnLst>
+                    </p:cTn>
+                  </p:par>
+                </p:childTnLst>
+              </p:cTn>
+              <p:prevCondLst>
+                <p:cond evt="onPrev" delay="0">
+                  <p:tgtEl>
+                    <p:sldTgt/>
+                  </p:tgtEl>
+                </p:cond>
+              </p:prevCondLst>
+              <p:nextCondLst>
+                <p:cond evt="onNext" delay="0">
+                  <p:tgtEl>
+                    <p:sldTgt/>
+                  </p:tgtEl>
+                </p:cond>
+              </p:nextCondLst>
+            </p:seq>
+          </p:childTnLst>
+        </p:cTn>
+      </p:par>
+    </p:tnLst>
+  </p:timing>
+</p:sld>
+</file>
+
+<file path=ppt/slides/slide16.xml><?xml version="1.0" encoding="utf-8"?>
+<p:sld xmlns:a="http://schemas.openxmlformats.org/drawingml/2006/main" xmlns:r="http://schemas.openxmlformats.org/officeDocument/2006/relationships" xmlns:p="http://schemas.openxmlformats.org/presentationml/2006/main">
+  <p:cSld>
+    <p:spTree>
+      <p:nvGrpSpPr>
+        <p:cNvPr id="1" name=""/>
+        <p:cNvGrpSpPr/>
+        <p:nvPr/>
+      </p:nvGrpSpPr>
+      <p:grpSpPr>
+        <a:xfrm>
+          <a:off x="0" y="0"/>
+          <a:ext cx="0" cy="0"/>
+          <a:chOff x="0" y="0"/>
+          <a:chExt cx="0" cy="0"/>
+        </a:xfrm>
+      </p:grpSpPr>
+      <p:sp>
+        <p:nvSpPr>
+          <p:cNvPr id="2" name="Title 1"/>
+          <p:cNvSpPr>
+            <a:spLocks noGrp="1"/>
+          </p:cNvSpPr>
+          <p:nvPr>
+            <p:ph type="title"/>
+          </p:nvPr>
+        </p:nvSpPr>
+        <p:spPr/>
+        <p:txBody>
+          <a:bodyPr/>
+          <a:lstStyle/>
+          <a:p>
+            <a:r>
+              <a:rPr lang="en-US" dirty="0" smtClean="0"/>
+              <a:t>Summary</a:t>
+            </a:r>
+            <a:endParaRPr lang="en-US" dirty="0"/>
+          </a:p>
+        </p:txBody>
+      </p:sp>
+      <p:sp>
+        <p:nvSpPr>
+          <p:cNvPr id="3" name="Text Placeholder 2"/>
+          <p:cNvSpPr>
+            <a:spLocks noGrp="1"/>
+          </p:cNvSpPr>
+          <p:nvPr>
+            <p:ph type="body" idx="1"/>
+          </p:nvPr>
+        </p:nvSpPr>
+        <p:spPr/>
+        <p:txBody>
+          <a:bodyPr/>
+          <a:lstStyle/>
+          <a:p>
+            <a:endParaRPr lang="en-US" dirty="0"/>
+          </a:p>
+        </p:txBody>
+      </p:sp>
+      <p:pic>
+        <p:nvPicPr>
+          <p:cNvPr id="4" name="Picture 3"/>
+          <p:cNvPicPr>
+            <a:picLocks noChangeAspect="1"/>
+          </p:cNvPicPr>
+          <p:nvPr/>
+        </p:nvPicPr>
+        <p:blipFill>
+          <a:blip r:embed="rId2"/>
+          <a:stretch>
+            <a:fillRect/>
+          </a:stretch>
+        </p:blipFill>
+        <p:spPr>
+          <a:xfrm>
+            <a:off x="685800" y="2362200"/>
+            <a:ext cx="4129088" cy="1944190"/>
+          </a:xfrm>
+          <a:prstGeom prst="rect">
+            <a:avLst/>
+          </a:prstGeom>
+        </p:spPr>
+      </p:pic>
+      <p:pic>
+        <p:nvPicPr>
+          <p:cNvPr id="5" name="Picture 6" descr="http://eclipsesource.com/blogs/wp-content/uploads/2014/03/jasmine.png"/>
+          <p:cNvPicPr>
+            <a:picLocks noChangeAspect="1" noChangeArrowheads="1"/>
+          </p:cNvPicPr>
+          <p:nvPr/>
+        </p:nvPicPr>
+        <p:blipFill>
+          <a:blip r:embed="rId3">
+            <a:extLst>
+              <a:ext uri="{28A0092B-C50C-407E-A947-70E740481C1C}">
+                <a14:useLocalDpi xmlns:a14="http://schemas.microsoft.com/office/drawing/2010/main" val="0"/>
+              </a:ext>
+            </a:extLst>
+          </a:blip>
+          <a:srcRect/>
+          <a:stretch>
+            <a:fillRect/>
+          </a:stretch>
+        </p:blipFill>
+        <p:spPr bwMode="auto">
+          <a:xfrm>
+            <a:off x="5988844" y="2572294"/>
+            <a:ext cx="1524000" cy="1524001"/>
+          </a:xfrm>
+          <a:prstGeom prst="rect">
+            <a:avLst/>
+          </a:prstGeom>
+          <a:noFill/>
+          <a:extLst>
+            <a:ext uri="{909E8E84-426E-40DD-AFC4-6F175D3DCCD1}">
+              <a14:hiddenFill xmlns:a14="http://schemas.microsoft.com/office/drawing/2010/main">
+                <a:solidFill>
+                  <a:srgbClr val="FFFFFF"/>
+                </a:solidFill>
+              </a14:hiddenFill>
+            </a:ext>
+          </a:extLst>
+        </p:spPr>
+      </p:pic>
+    </p:spTree>
+    <p:extLst>
+      <p:ext uri="{BB962C8B-B14F-4D97-AF65-F5344CB8AC3E}">
+        <p14:creationId xmlns:p14="http://schemas.microsoft.com/office/powerpoint/2010/main" val="4183084728"/>
       </p:ext>
     </p:extLst>
   </p:cSld>
@@ -2646,7 +3461,7 @@
           <a:p>
             <a:r>
               <a:rPr lang="en-US" dirty="0" smtClean="0"/>
-              <a:t>Goals</a:t>
+              <a:t>Getting Into Production</a:t>
             </a:r>
             <a:endParaRPr lang="en-US" dirty="0"/>
           </a:p>
@@ -2667,14 +3482,58 @@
           <a:bodyPr/>
           <a:lstStyle/>
           <a:p>
-            <a:endParaRPr lang="en-US"/>
+            <a:r>
+              <a:rPr lang="en-US" dirty="0" smtClean="0"/>
+              <a:t>Dynamic module loading and </a:t>
+            </a:r>
+            <a:r>
+              <a:rPr lang="en-US" dirty="0" err="1" smtClean="0"/>
+              <a:t>transpilation</a:t>
+            </a:r>
+            <a:r>
+              <a:rPr lang="en-US" dirty="0" smtClean="0"/>
+              <a:t> is slow</a:t>
+            </a:r>
+          </a:p>
+          <a:p>
+            <a:r>
+              <a:rPr lang="en-US" dirty="0" smtClean="0"/>
+              <a:t>Need to bundle and minify</a:t>
+            </a:r>
+          </a:p>
+          <a:p>
+            <a:endParaRPr lang="en-US" dirty="0"/>
           </a:p>
         </p:txBody>
       </p:sp>
+      <p:pic>
+        <p:nvPicPr>
+          <p:cNvPr id="5" name="Picture 4"/>
+          <p:cNvPicPr>
+            <a:picLocks noChangeAspect="1"/>
+          </p:cNvPicPr>
+          <p:nvPr/>
+        </p:nvPicPr>
+        <p:blipFill>
+          <a:blip r:embed="rId2"/>
+          <a:stretch>
+            <a:fillRect/>
+          </a:stretch>
+        </p:blipFill>
+        <p:spPr>
+          <a:xfrm>
+            <a:off x="1319212" y="2724150"/>
+            <a:ext cx="6505575" cy="1409700"/>
+          </a:xfrm>
+          <a:prstGeom prst="rect">
+            <a:avLst/>
+          </a:prstGeom>
+        </p:spPr>
+      </p:pic>
     </p:spTree>
     <p:extLst>
       <p:ext uri="{BB962C8B-B14F-4D97-AF65-F5344CB8AC3E}">
-        <p14:creationId xmlns:p14="http://schemas.microsoft.com/office/powerpoint/2010/main" val="3595935521"/>
+        <p14:creationId xmlns:p14="http://schemas.microsoft.com/office/powerpoint/2010/main" val="4044680371"/>
       </p:ext>
     </p:extLst>
   </p:cSld>
@@ -2721,7 +3580,7 @@
           <a:p>
             <a:r>
               <a:rPr lang="en-US" dirty="0" smtClean="0"/>
-              <a:t>Using Jasmine</a:t>
+              <a:t>Features of a Bundler</a:t>
             </a:r>
             <a:endParaRPr lang="en-US" dirty="0"/>
           </a:p>
@@ -2742,14 +3601,55 @@
           <a:bodyPr/>
           <a:lstStyle/>
           <a:p>
-            <a:endParaRPr lang="en-US"/>
+            <a:r>
+              <a:rPr lang="en-US" dirty="0" smtClean="0"/>
+              <a:t>Aware of modules</a:t>
+            </a:r>
+          </a:p>
+          <a:p>
+            <a:pPr lvl="1"/>
+            <a:r>
+              <a:rPr lang="en-US" dirty="0" err="1" smtClean="0"/>
+              <a:t>CommonJS</a:t>
+            </a:r>
+            <a:r>
+              <a:rPr lang="en-US" dirty="0" smtClean="0"/>
+              <a:t>, AMD, ES2015</a:t>
+            </a:r>
+          </a:p>
+          <a:p>
+            <a:r>
+              <a:rPr lang="en-US" dirty="0" smtClean="0"/>
+              <a:t>Aware of </a:t>
+            </a:r>
+            <a:r>
+              <a:rPr lang="en-US" dirty="0" err="1" smtClean="0"/>
+              <a:t>TypeScript</a:t>
+            </a:r>
+            <a:endParaRPr lang="en-US" dirty="0" smtClean="0"/>
+          </a:p>
+          <a:p>
+            <a:pPr lvl="1"/>
+            <a:r>
+              <a:rPr lang="en-US" dirty="0" smtClean="0"/>
+              <a:t>Perhaps even CSS, HTML, other static assets</a:t>
+            </a:r>
+          </a:p>
+          <a:p>
+            <a:endParaRPr lang="en-US" dirty="0" smtClean="0"/>
+          </a:p>
+          <a:p>
+            <a:endParaRPr lang="en-US" dirty="0" smtClean="0"/>
+          </a:p>
+          <a:p>
+            <a:endParaRPr lang="en-US" dirty="0"/>
           </a:p>
         </p:txBody>
       </p:sp>
     </p:spTree>
     <p:extLst>
       <p:ext uri="{BB962C8B-B14F-4D97-AF65-F5344CB8AC3E}">
-        <p14:creationId xmlns:p14="http://schemas.microsoft.com/office/powerpoint/2010/main" val="3178328545"/>
+        <p14:creationId xmlns:p14="http://schemas.microsoft.com/office/powerpoint/2010/main" val="1153956667"/>
       </p:ext>
     </p:extLst>
   </p:cSld>
@@ -2795,12 +3695,8 @@
           <a:lstStyle/>
           <a:p>
             <a:r>
-              <a:rPr lang="en-US" dirty="0" smtClean="0"/>
-              <a:t>Jasmine and </a:t>
-            </a:r>
-            <a:r>
               <a:rPr lang="en-US" dirty="0" err="1" smtClean="0"/>
-              <a:t>TypeScript</a:t>
+              <a:t>jspm</a:t>
             </a:r>
             <a:endParaRPr lang="en-US" dirty="0"/>
           </a:p>
@@ -2821,14 +3717,52 @@
           <a:bodyPr/>
           <a:lstStyle/>
           <a:p>
-            <a:endParaRPr lang="en-US"/>
+            <a:r>
+              <a:rPr lang="en-US" dirty="0" smtClean="0"/>
+              <a:t>Complete solution from development to production</a:t>
+            </a:r>
+          </a:p>
+          <a:p>
+            <a:r>
+              <a:rPr lang="en-US" dirty="0" smtClean="0"/>
+              <a:t>Builds on top of </a:t>
+            </a:r>
+            <a:r>
+              <a:rPr lang="en-US" dirty="0" err="1" smtClean="0"/>
+              <a:t>SystemJS</a:t>
+            </a:r>
+            <a:endParaRPr lang="en-US" dirty="0"/>
           </a:p>
         </p:txBody>
       </p:sp>
+      <p:pic>
+        <p:nvPicPr>
+          <p:cNvPr id="4" name="Picture 3"/>
+          <p:cNvPicPr>
+            <a:picLocks noChangeAspect="1"/>
+          </p:cNvPicPr>
+          <p:nvPr/>
+        </p:nvPicPr>
+        <p:blipFill>
+          <a:blip r:embed="rId2"/>
+          <a:stretch>
+            <a:fillRect/>
+          </a:stretch>
+        </p:blipFill>
+        <p:spPr>
+          <a:xfrm>
+            <a:off x="3124200" y="3124200"/>
+            <a:ext cx="4953000" cy="1714500"/>
+          </a:xfrm>
+          <a:prstGeom prst="rect">
+            <a:avLst/>
+          </a:prstGeom>
+        </p:spPr>
+      </p:pic>
     </p:spTree>
     <p:extLst>
       <p:ext uri="{BB962C8B-B14F-4D97-AF65-F5344CB8AC3E}">
-        <p14:creationId xmlns:p14="http://schemas.microsoft.com/office/powerpoint/2010/main" val="1132105245"/>
+        <p14:creationId xmlns:p14="http://schemas.microsoft.com/office/powerpoint/2010/main" val="1682861976"/>
       </p:ext>
     </p:extLst>
   </p:cSld>
@@ -2874,8 +3808,8 @@
           <a:lstStyle/>
           <a:p>
             <a:r>
-              <a:rPr lang="en-US" dirty="0" smtClean="0"/>
-              <a:t>Running Tests</a:t>
+              <a:rPr lang="en-US" dirty="0" err="1" smtClean="0"/>
+              <a:t>webpack</a:t>
             </a:r>
             <a:endParaRPr lang="en-US" dirty="0"/>
           </a:p>
@@ -2896,14 +3830,48 @@
           <a:bodyPr/>
           <a:lstStyle/>
           <a:p>
-            <a:endParaRPr lang="en-US"/>
+            <a:r>
+              <a:rPr lang="en-US" dirty="0" smtClean="0"/>
+              <a:t>Code splitting, common code analysis</a:t>
+            </a:r>
+          </a:p>
+          <a:p>
+            <a:r>
+              <a:rPr lang="en-US" dirty="0" smtClean="0"/>
+              <a:t>Rich plugin system</a:t>
+            </a:r>
+            <a:endParaRPr lang="en-US" dirty="0"/>
           </a:p>
         </p:txBody>
       </p:sp>
+      <p:pic>
+        <p:nvPicPr>
+          <p:cNvPr id="5" name="Picture 4"/>
+          <p:cNvPicPr>
+            <a:picLocks noChangeAspect="1"/>
+          </p:cNvPicPr>
+          <p:nvPr/>
+        </p:nvPicPr>
+        <p:blipFill>
+          <a:blip r:embed="rId2"/>
+          <a:stretch>
+            <a:fillRect/>
+          </a:stretch>
+        </p:blipFill>
+        <p:spPr>
+          <a:xfrm>
+            <a:off x="671512" y="2651495"/>
+            <a:ext cx="7800975" cy="3673105"/>
+          </a:xfrm>
+          <a:prstGeom prst="rect">
+            <a:avLst/>
+          </a:prstGeom>
+        </p:spPr>
+      </p:pic>
     </p:spTree>
     <p:extLst>
       <p:ext uri="{BB962C8B-B14F-4D97-AF65-F5344CB8AC3E}">
-        <p14:creationId xmlns:p14="http://schemas.microsoft.com/office/powerpoint/2010/main" val="3904546152"/>
+        <p14:creationId xmlns:p14="http://schemas.microsoft.com/office/powerpoint/2010/main" val="185082996"/>
       </p:ext>
     </p:extLst>
   </p:cSld>
@@ -2950,7 +3918,11 @@
           <a:p>
             <a:r>
               <a:rPr lang="en-US" dirty="0" smtClean="0"/>
-              <a:t>Using Karma</a:t>
+              <a:t>Using </a:t>
+            </a:r>
+            <a:r>
+              <a:rPr lang="en-US" dirty="0" err="1" smtClean="0"/>
+              <a:t>webpack</a:t>
             </a:r>
             <a:endParaRPr lang="en-US" dirty="0"/>
           </a:p>
@@ -2971,14 +3943,74 @@
           <a:bodyPr/>
           <a:lstStyle/>
           <a:p>
-            <a:endParaRPr lang="en-US"/>
+            <a:r>
+              <a:rPr lang="en-US" dirty="0" smtClean="0"/>
+              <a:t>Install via </a:t>
+            </a:r>
+            <a:r>
+              <a:rPr lang="en-US" dirty="0" err="1" smtClean="0"/>
+              <a:t>npm</a:t>
+            </a:r>
+            <a:endParaRPr lang="en-US" dirty="0" smtClean="0"/>
+          </a:p>
+          <a:p>
+            <a:r>
+              <a:rPr lang="en-US" dirty="0" smtClean="0"/>
+              <a:t>At a minimum:</a:t>
+            </a:r>
+          </a:p>
+          <a:p>
+            <a:pPr lvl="1"/>
+            <a:r>
+              <a:rPr lang="en-US" dirty="0" err="1"/>
+              <a:t>w</a:t>
+            </a:r>
+            <a:r>
+              <a:rPr lang="en-US" dirty="0" err="1" smtClean="0"/>
+              <a:t>ebpack</a:t>
+            </a:r>
+            <a:r>
+              <a:rPr lang="en-US" dirty="0" smtClean="0"/>
+              <a:t> ./app.js bundle.js</a:t>
+            </a:r>
+          </a:p>
+          <a:p>
+            <a:r>
+              <a:rPr lang="en-US" dirty="0" smtClean="0"/>
+              <a:t>Real apps will require a webpack.config.js file</a:t>
+            </a:r>
+            <a:endParaRPr lang="en-US" dirty="0"/>
           </a:p>
         </p:txBody>
       </p:sp>
+      <p:pic>
+        <p:nvPicPr>
+          <p:cNvPr id="4" name="Picture 3"/>
+          <p:cNvPicPr>
+            <a:picLocks noChangeAspect="1"/>
+          </p:cNvPicPr>
+          <p:nvPr/>
+        </p:nvPicPr>
+        <p:blipFill>
+          <a:blip r:embed="rId2"/>
+          <a:stretch>
+            <a:fillRect/>
+          </a:stretch>
+        </p:blipFill>
+        <p:spPr>
+          <a:xfrm>
+            <a:off x="1971675" y="3276600"/>
+            <a:ext cx="5200650" cy="2905125"/>
+          </a:xfrm>
+          <a:prstGeom prst="rect">
+            <a:avLst/>
+          </a:prstGeom>
+        </p:spPr>
+      </p:pic>
     </p:spTree>
     <p:extLst>
       <p:ext uri="{BB962C8B-B14F-4D97-AF65-F5344CB8AC3E}">
-        <p14:creationId xmlns:p14="http://schemas.microsoft.com/office/powerpoint/2010/main" val="3941365567"/>
+        <p14:creationId xmlns:p14="http://schemas.microsoft.com/office/powerpoint/2010/main" val="3659794132"/>
       </p:ext>
     </p:extLst>
   </p:cSld>
@@ -3024,10 +4056,10 @@
           <a:lstStyle/>
           <a:p>
             <a:r>
-              <a:rPr lang="en-US" smtClean="0"/>
-              <a:t>Testing Http</a:t>
-            </a:r>
-            <a:endParaRPr lang="en-US"/>
+              <a:rPr lang="en-US" dirty="0" smtClean="0"/>
+              <a:t>Unit Testing</a:t>
+            </a:r>
+            <a:endParaRPr lang="en-US" dirty="0"/>
           </a:p>
         </p:txBody>
       </p:sp>
@@ -3046,14 +4078,163 @@
           <a:bodyPr/>
           <a:lstStyle/>
           <a:p>
-            <a:endParaRPr lang="en-US"/>
+            <a:r>
+              <a:rPr lang="en-US" dirty="0" smtClean="0"/>
+              <a:t>Various framework available</a:t>
+            </a:r>
+          </a:p>
+          <a:p>
+            <a:pPr lvl="1"/>
+            <a:r>
+              <a:rPr lang="en-US" dirty="0" err="1" smtClean="0"/>
+              <a:t>qUnit</a:t>
+            </a:r>
+            <a:endParaRPr lang="en-US" dirty="0" smtClean="0"/>
+          </a:p>
+          <a:p>
+            <a:pPr lvl="1"/>
+            <a:r>
+              <a:rPr lang="en-US" dirty="0" smtClean="0"/>
+              <a:t>Jasmine</a:t>
+            </a:r>
+          </a:p>
+          <a:p>
+            <a:pPr lvl="1"/>
+            <a:r>
+              <a:rPr lang="en-US" dirty="0" smtClean="0"/>
+              <a:t>Mocha</a:t>
+            </a:r>
+            <a:endParaRPr lang="en-US" dirty="0"/>
           </a:p>
         </p:txBody>
       </p:sp>
+      <p:pic>
+        <p:nvPicPr>
+          <p:cNvPr id="1030" name="Picture 6" descr="http://eclipsesource.com/blogs/wp-content/uploads/2014/03/jasmine.png"/>
+          <p:cNvPicPr>
+            <a:picLocks noChangeAspect="1" noChangeArrowheads="1"/>
+          </p:cNvPicPr>
+          <p:nvPr/>
+        </p:nvPicPr>
+        <p:blipFill>
+          <a:blip r:embed="rId2">
+            <a:extLst>
+              <a:ext uri="{28A0092B-C50C-407E-A947-70E740481C1C}">
+                <a14:useLocalDpi xmlns:a14="http://schemas.microsoft.com/office/drawing/2010/main" val="0"/>
+              </a:ext>
+            </a:extLst>
+          </a:blip>
+          <a:srcRect/>
+          <a:stretch>
+            <a:fillRect/>
+          </a:stretch>
+        </p:blipFill>
+        <p:spPr bwMode="auto">
+          <a:xfrm>
+            <a:off x="1371600" y="3581400"/>
+            <a:ext cx="1524000" cy="1524001"/>
+          </a:xfrm>
+          <a:prstGeom prst="rect">
+            <a:avLst/>
+          </a:prstGeom>
+          <a:noFill/>
+          <a:extLst>
+            <a:ext uri="{909E8E84-426E-40DD-AFC4-6F175D3DCCD1}">
+              <a14:hiddenFill xmlns:a14="http://schemas.microsoft.com/office/drawing/2010/main">
+                <a:solidFill>
+                  <a:srgbClr val="FFFFFF"/>
+                </a:solidFill>
+              </a14:hiddenFill>
+            </a:ext>
+          </a:extLst>
+        </p:spPr>
+      </p:pic>
+      <p:pic>
+        <p:nvPicPr>
+          <p:cNvPr id="1032" name="Picture 8" descr="http://daffl.github.io/jqueryto/images/qunit_logo.png"/>
+          <p:cNvPicPr>
+            <a:picLocks noChangeAspect="1" noChangeArrowheads="1"/>
+          </p:cNvPicPr>
+          <p:nvPr/>
+        </p:nvPicPr>
+        <p:blipFill>
+          <a:blip r:embed="rId3">
+            <a:extLst>
+              <a:ext uri="{28A0092B-C50C-407E-A947-70E740481C1C}">
+                <a14:useLocalDpi xmlns:a14="http://schemas.microsoft.com/office/drawing/2010/main" val="0"/>
+              </a:ext>
+            </a:extLst>
+          </a:blip>
+          <a:srcRect/>
+          <a:stretch>
+            <a:fillRect/>
+          </a:stretch>
+        </p:blipFill>
+        <p:spPr bwMode="auto">
+          <a:xfrm>
+            <a:off x="3571874" y="3067049"/>
+            <a:ext cx="2219325" cy="628651"/>
+          </a:xfrm>
+          <a:prstGeom prst="rect">
+            <a:avLst/>
+          </a:prstGeom>
+          <a:noFill/>
+          <a:extLst>
+            <a:ext uri="{909E8E84-426E-40DD-AFC4-6F175D3DCCD1}">
+              <a14:hiddenFill xmlns:a14="http://schemas.microsoft.com/office/drawing/2010/main">
+                <a:solidFill>
+                  <a:srgbClr val="FFFFFF"/>
+                </a:solidFill>
+              </a14:hiddenFill>
+            </a:ext>
+          </a:extLst>
+        </p:spPr>
+      </p:pic>
+      <p:pic>
+        <p:nvPicPr>
+          <p:cNvPr id="1034" name="Picture 10" descr="http://onsen.io/blog/content/images/2015/Aug/chaijs-mocha.png"/>
+          <p:cNvPicPr>
+            <a:picLocks noChangeAspect="1" noChangeArrowheads="1"/>
+          </p:cNvPicPr>
+          <p:nvPr/>
+        </p:nvPicPr>
+        <p:blipFill>
+          <a:blip r:embed="rId4">
+            <a:extLst>
+              <a:ext uri="{28A0092B-C50C-407E-A947-70E740481C1C}">
+                <a14:useLocalDpi xmlns:a14="http://schemas.microsoft.com/office/drawing/2010/main" val="0"/>
+              </a:ext>
+            </a:extLst>
+          </a:blip>
+          <a:srcRect/>
+          <a:stretch>
+            <a:fillRect/>
+          </a:stretch>
+        </p:blipFill>
+        <p:spPr bwMode="auto">
+          <a:xfrm>
+            <a:off x="4267200" y="4173637"/>
+            <a:ext cx="5131834" cy="2138264"/>
+          </a:xfrm>
+          <a:prstGeom prst="rect">
+            <a:avLst/>
+          </a:prstGeom>
+          <a:noFill/>
+          <a:extLst>
+            <a:ext uri="{909E8E84-426E-40DD-AFC4-6F175D3DCCD1}">
+              <a14:hiddenFill xmlns:a14="http://schemas.microsoft.com/office/drawing/2010/main">
+                <a:solidFill>
+                  <a:srgbClr val="FFFFFF"/>
+                </a:solidFill>
+              </a14:hiddenFill>
+            </a:ext>
+          </a:extLst>
+        </p:spPr>
+      </p:pic>
     </p:spTree>
     <p:extLst>
       <p:ext uri="{BB962C8B-B14F-4D97-AF65-F5344CB8AC3E}">
-        <p14:creationId xmlns:p14="http://schemas.microsoft.com/office/powerpoint/2010/main" val="3606379775"/>
+        <p14:creationId xmlns:p14="http://schemas.microsoft.com/office/powerpoint/2010/main" val="2172489008"/>
       </p:ext>
     </p:extLst>
   </p:cSld>
@@ -3100,7 +4281,7 @@
           <a:p>
             <a:r>
               <a:rPr lang="en-US" dirty="0" smtClean="0"/>
-              <a:t>Bundling</a:t>
+              <a:t>Jasmine Syntax</a:t>
             </a:r>
             <a:endParaRPr lang="en-US" dirty="0"/>
           </a:p>
@@ -3121,14 +4302,76 @@
           <a:bodyPr/>
           <a:lstStyle/>
           <a:p>
-            <a:endParaRPr lang="en-US"/>
+            <a:r>
+              <a:rPr lang="en-US" dirty="0" smtClean="0"/>
+              <a:t>Encourages BDD style testing</a:t>
+            </a:r>
+          </a:p>
+          <a:p>
+            <a:r>
+              <a:rPr lang="en-US" dirty="0" smtClean="0"/>
+              <a:t>Use </a:t>
+            </a:r>
+            <a:r>
+              <a:rPr lang="en-US" i="1" dirty="0" smtClean="0"/>
+              <a:t>describe</a:t>
+            </a:r>
+            <a:r>
+              <a:rPr lang="en-US" dirty="0" smtClean="0"/>
+              <a:t> to create a suite of tests</a:t>
+            </a:r>
+          </a:p>
+          <a:p>
+            <a:r>
+              <a:rPr lang="en-US" dirty="0" smtClean="0"/>
+              <a:t>Use </a:t>
+            </a:r>
+            <a:r>
+              <a:rPr lang="en-US" i="1" dirty="0" smtClean="0"/>
+              <a:t>it</a:t>
+            </a:r>
+            <a:r>
+              <a:rPr lang="en-US" dirty="0" smtClean="0"/>
+              <a:t> to describe individual tests</a:t>
+            </a:r>
+          </a:p>
+          <a:p>
+            <a:r>
+              <a:rPr lang="en-US" dirty="0" smtClean="0"/>
+              <a:t>Use various matchers to create asserts</a:t>
+            </a:r>
+            <a:endParaRPr lang="en-US" dirty="0"/>
           </a:p>
         </p:txBody>
       </p:sp>
+      <p:pic>
+        <p:nvPicPr>
+          <p:cNvPr id="4" name="Picture 3"/>
+          <p:cNvPicPr>
+            <a:picLocks noChangeAspect="1"/>
+          </p:cNvPicPr>
+          <p:nvPr/>
+        </p:nvPicPr>
+        <p:blipFill>
+          <a:blip r:embed="rId2"/>
+          <a:stretch>
+            <a:fillRect/>
+          </a:stretch>
+        </p:blipFill>
+        <p:spPr>
+          <a:xfrm>
+            <a:off x="1981200" y="3581400"/>
+            <a:ext cx="4981575" cy="2190750"/>
+          </a:xfrm>
+          <a:prstGeom prst="rect">
+            <a:avLst/>
+          </a:prstGeom>
+        </p:spPr>
+      </p:pic>
     </p:spTree>
     <p:extLst>
       <p:ext uri="{BB962C8B-B14F-4D97-AF65-F5344CB8AC3E}">
-        <p14:creationId xmlns:p14="http://schemas.microsoft.com/office/powerpoint/2010/main" val="1445638406"/>
+        <p14:creationId xmlns:p14="http://schemas.microsoft.com/office/powerpoint/2010/main" val="2629858189"/>
       </p:ext>
     </p:extLst>
   </p:cSld>
@@ -3175,7 +4418,7 @@
           <a:p>
             <a:r>
               <a:rPr lang="en-US" dirty="0" smtClean="0"/>
-              <a:t>Using JSPM</a:t>
+              <a:t>An HTML Test Runner</a:t>
             </a:r>
             <a:endParaRPr lang="en-US" dirty="0"/>
           </a:p>
@@ -3196,14 +4439,80 @@
           <a:bodyPr/>
           <a:lstStyle/>
           <a:p>
-            <a:endParaRPr lang="en-US"/>
+            <a:r>
+              <a:rPr lang="en-US" dirty="0" smtClean="0"/>
+              <a:t>Include Jasmine files to report and boot the framework</a:t>
+            </a:r>
+          </a:p>
+          <a:p>
+            <a:r>
+              <a:rPr lang="en-US" dirty="0" smtClean="0"/>
+              <a:t>Include </a:t>
+            </a:r>
+            <a:r>
+              <a:rPr lang="en-US" dirty="0" err="1" smtClean="0"/>
+              <a:t>transpiled</a:t>
+            </a:r>
+            <a:r>
+              <a:rPr lang="en-US" dirty="0" smtClean="0"/>
+              <a:t> tests</a:t>
+            </a:r>
+            <a:endParaRPr lang="en-US" dirty="0"/>
           </a:p>
         </p:txBody>
       </p:sp>
+      <p:pic>
+        <p:nvPicPr>
+          <p:cNvPr id="4" name="Picture 3"/>
+          <p:cNvPicPr>
+            <a:picLocks noChangeAspect="1"/>
+          </p:cNvPicPr>
+          <p:nvPr/>
+        </p:nvPicPr>
+        <p:blipFill>
+          <a:blip r:embed="rId2"/>
+          <a:stretch>
+            <a:fillRect/>
+          </a:stretch>
+        </p:blipFill>
+        <p:spPr>
+          <a:xfrm>
+            <a:off x="214312" y="2714625"/>
+            <a:ext cx="8715375" cy="1428750"/>
+          </a:xfrm>
+          <a:prstGeom prst="rect">
+            <a:avLst/>
+          </a:prstGeom>
+        </p:spPr>
+      </p:pic>
+      <p:pic>
+        <p:nvPicPr>
+          <p:cNvPr id="5" name="Picture 4"/>
+          <p:cNvPicPr>
+            <a:picLocks noChangeAspect="1"/>
+          </p:cNvPicPr>
+          <p:nvPr/>
+        </p:nvPicPr>
+        <p:blipFill>
+          <a:blip r:embed="rId3"/>
+          <a:stretch>
+            <a:fillRect/>
+          </a:stretch>
+        </p:blipFill>
+        <p:spPr>
+          <a:xfrm>
+            <a:off x="3886200" y="4510087"/>
+            <a:ext cx="3533775" cy="1800225"/>
+          </a:xfrm>
+          <a:prstGeom prst="rect">
+            <a:avLst/>
+          </a:prstGeom>
+        </p:spPr>
+      </p:pic>
     </p:spTree>
     <p:extLst>
       <p:ext uri="{BB962C8B-B14F-4D97-AF65-F5344CB8AC3E}">
-        <p14:creationId xmlns:p14="http://schemas.microsoft.com/office/powerpoint/2010/main" val="2497449155"/>
+        <p14:creationId xmlns:p14="http://schemas.microsoft.com/office/powerpoint/2010/main" val="3794351904"/>
       </p:ext>
     </p:extLst>
   </p:cSld>
@@ -3213,6 +4522,89 @@
   <p:transition>
     <p:fade/>
   </p:transition>
+  <p:timing>
+    <p:tnLst>
+      <p:par>
+        <p:cTn id="1" dur="indefinite" restart="never" nodeType="tmRoot">
+          <p:childTnLst>
+            <p:seq concurrent="1" nextAc="seek">
+              <p:cTn id="2" dur="indefinite" nodeType="mainSeq">
+                <p:childTnLst>
+                  <p:par>
+                    <p:cTn id="3" fill="hold">
+                      <p:stCondLst>
+                        <p:cond delay="indefinite"/>
+                      </p:stCondLst>
+                      <p:childTnLst>
+                        <p:par>
+                          <p:cTn id="4" fill="hold">
+                            <p:stCondLst>
+                              <p:cond delay="0"/>
+                            </p:stCondLst>
+                            <p:childTnLst>
+                              <p:par>
+                                <p:cTn id="5" presetID="10" presetClass="entr" presetSubtype="0" fill="hold" nodeType="clickEffect">
+                                  <p:stCondLst>
+                                    <p:cond delay="0"/>
+                                  </p:stCondLst>
+                                  <p:childTnLst>
+                                    <p:set>
+                                      <p:cBhvr>
+                                        <p:cTn id="6" dur="1" fill="hold">
+                                          <p:stCondLst>
+                                            <p:cond delay="0"/>
+                                          </p:stCondLst>
+                                        </p:cTn>
+                                        <p:tgtEl>
+                                          <p:spTgt spid="5"/>
+                                        </p:tgtEl>
+                                        <p:attrNameLst>
+                                          <p:attrName>style.visibility</p:attrName>
+                                        </p:attrNameLst>
+                                      </p:cBhvr>
+                                      <p:to>
+                                        <p:strVal val="visible"/>
+                                      </p:to>
+                                    </p:set>
+                                    <p:animEffect transition="in" filter="fade">
+                                      <p:cBhvr>
+                                        <p:cTn id="7" dur="500"/>
+                                        <p:tgtEl>
+                                          <p:spTgt spid="5"/>
+                                        </p:tgtEl>
+                                      </p:cBhvr>
+                                    </p:animEffect>
+                                  </p:childTnLst>
+                                </p:cTn>
+                              </p:par>
+                            </p:childTnLst>
+                          </p:cTn>
+                        </p:par>
+                      </p:childTnLst>
+                    </p:cTn>
+                  </p:par>
+                </p:childTnLst>
+              </p:cTn>
+              <p:prevCondLst>
+                <p:cond evt="onPrev" delay="0">
+                  <p:tgtEl>
+                    <p:sldTgt/>
+                  </p:tgtEl>
+                </p:cond>
+              </p:prevCondLst>
+              <p:nextCondLst>
+                <p:cond evt="onNext" delay="0">
+                  <p:tgtEl>
+                    <p:sldTgt/>
+                  </p:tgtEl>
+                </p:cond>
+              </p:nextCondLst>
+            </p:seq>
+          </p:childTnLst>
+        </p:cTn>
+      </p:par>
+    </p:tnLst>
+  </p:timing>
 </p:sld>
 </file>
 
